--- a/com.js.ens.leveller/test Report_160729.pptx
+++ b/com.js.ens.leveller/test Report_160729.pptx
@@ -13,6 +13,7 @@
     <p:sldId id="278" r:id="rId7"/>
     <p:sldId id="273" r:id="rId8"/>
     <p:sldId id="277" r:id="rId9"/>
+    <p:sldId id="279" r:id="rId10"/>
   </p:sldIdLst>
   <p:sldSz cx="9144000" cy="6858000" type="screen4x3"/>
   <p:notesSz cx="6858000" cy="9144000"/>
@@ -113,7 +114,7 @@
   </p:defaultTextStyle>
   <p:extLst>
     <p:ext uri="{EFAFB233-063F-42B5-8137-9DF3F51BA10A}">
-      <p15:sldGuideLst xmlns:p15="http://schemas.microsoft.com/office/powerpoint/2012/main" xmlns="">
+      <p15:sldGuideLst xmlns:p15="http://schemas.microsoft.com/office/powerpoint/2012/main">
         <p15:guide id="1" orient="horz" pos="2137" userDrawn="1">
           <p15:clr>
             <a:srgbClr val="A4A3A4"/>
@@ -1929,7 +1930,7 @@
           <a:blip r:embed="rId2" cstate="print">
             <a:extLst>
               <a:ext uri="{28A0092B-C50C-407E-A947-70E740481C1C}">
-                <a14:useLocalDpi xmlns:a14="http://schemas.microsoft.com/office/drawing/2010/main" xmlns="" val="0"/>
+                <a14:useLocalDpi xmlns:a14="http://schemas.microsoft.com/office/drawing/2010/main" val="0"/>
               </a:ext>
             </a:extLst>
           </a:blip>
@@ -1995,7 +1996,7 @@
     </p:spTree>
     <p:extLst>
       <p:ext uri="{BB962C8B-B14F-4D97-AF65-F5344CB8AC3E}">
-        <p14:creationId xmlns:p14="http://schemas.microsoft.com/office/powerpoint/2010/main" xmlns="" val="2651165963"/>
+        <p14:creationId xmlns:p14="http://schemas.microsoft.com/office/powerpoint/2010/main" val="2651165963"/>
       </p:ext>
     </p:extLst>
   </p:cSld>
@@ -2204,7 +2205,7 @@
           <a:blip r:embed="rId3" cstate="print">
             <a:extLst>
               <a:ext uri="{28A0092B-C50C-407E-A947-70E740481C1C}">
-                <a14:useLocalDpi xmlns:a14="http://schemas.microsoft.com/office/drawing/2010/main" xmlns="" val="0"/>
+                <a14:useLocalDpi xmlns:a14="http://schemas.microsoft.com/office/drawing/2010/main" val="0"/>
               </a:ext>
             </a:extLst>
           </a:blip>
@@ -2318,7 +2319,7 @@
     </p:spTree>
     <p:extLst>
       <p:ext uri="{BB962C8B-B14F-4D97-AF65-F5344CB8AC3E}">
-        <p14:creationId xmlns:p14="http://schemas.microsoft.com/office/powerpoint/2010/main" xmlns="" val="1645228382"/>
+        <p14:creationId xmlns:p14="http://schemas.microsoft.com/office/powerpoint/2010/main" val="1645228382"/>
       </p:ext>
     </p:extLst>
   </p:cSld>
@@ -2579,7 +2580,7 @@
           <a:blip r:embed="rId2" cstate="print">
             <a:extLst>
               <a:ext uri="{28A0092B-C50C-407E-A947-70E740481C1C}">
-                <a14:useLocalDpi xmlns:a14="http://schemas.microsoft.com/office/drawing/2010/main" xmlns="" val="0"/>
+                <a14:useLocalDpi xmlns:a14="http://schemas.microsoft.com/office/drawing/2010/main" val="0"/>
               </a:ext>
             </a:extLst>
           </a:blip>
@@ -2745,7 +2746,7 @@
     </p:spTree>
     <p:extLst>
       <p:ext uri="{BB962C8B-B14F-4D97-AF65-F5344CB8AC3E}">
-        <p14:creationId xmlns:p14="http://schemas.microsoft.com/office/powerpoint/2010/main" xmlns="" val="1883167788"/>
+        <p14:creationId xmlns:p14="http://schemas.microsoft.com/office/powerpoint/2010/main" val="1883167788"/>
       </p:ext>
     </p:extLst>
   </p:cSld>
@@ -2894,7 +2895,7 @@
             <a:fld id="{18C51283-86D4-4EC1-8393-6FFCD6378B43}" type="datetimeFigureOut">
               <a:rPr lang="ko-KR" altLang="en-US" smtClean="0"/>
               <a:pPr/>
-              <a:t>2016-07-31</a:t>
+              <a:t>2016-08-03</a:t>
             </a:fld>
             <a:endParaRPr lang="ko-KR" altLang="en-US"/>
           </a:p>
@@ -2946,7 +2947,7 @@
     </p:spTree>
     <p:extLst>
       <p:ext uri="{BB962C8B-B14F-4D97-AF65-F5344CB8AC3E}">
-        <p14:creationId xmlns:p14="http://schemas.microsoft.com/office/powerpoint/2010/main" xmlns="" val="3257304213"/>
+        <p14:creationId xmlns:p14="http://schemas.microsoft.com/office/powerpoint/2010/main" val="3257304213"/>
       </p:ext>
     </p:extLst>
   </p:cSld>
@@ -4686,7 +4687,7 @@
             <a:fld id="{18C51283-86D4-4EC1-8393-6FFCD6378B43}" type="datetimeFigureOut">
               <a:rPr lang="ko-KR" altLang="en-US" smtClean="0"/>
               <a:pPr/>
-              <a:t>2016-07-31</a:t>
+              <a:t>2016-08-03</a:t>
             </a:fld>
             <a:endParaRPr lang="ko-KR" altLang="en-US"/>
           </a:p>
@@ -4836,7 +4837,7 @@
     </p:spTree>
     <p:extLst>
       <p:ext uri="{BB962C8B-B14F-4D97-AF65-F5344CB8AC3E}">
-        <p14:creationId xmlns:p14="http://schemas.microsoft.com/office/powerpoint/2010/main" xmlns="" val="3855555480"/>
+        <p14:creationId xmlns:p14="http://schemas.microsoft.com/office/powerpoint/2010/main" val="3855555480"/>
       </p:ext>
     </p:extLst>
   </p:cSld>
@@ -5239,7 +5240,7 @@
     </p:spTree>
     <p:extLst>
       <p:ext uri="{BB962C8B-B14F-4D97-AF65-F5344CB8AC3E}">
-        <p14:creationId xmlns:p14="http://schemas.microsoft.com/office/powerpoint/2010/main" xmlns="" val="1687115274"/>
+        <p14:creationId xmlns:p14="http://schemas.microsoft.com/office/powerpoint/2010/main" val="1687115274"/>
       </p:ext>
     </p:extLst>
   </p:cSld>
@@ -5798,7 +5799,7 @@
     </p:spTree>
     <p:extLst>
       <p:ext uri="{BB962C8B-B14F-4D97-AF65-F5344CB8AC3E}">
-        <p14:creationId xmlns:p14="http://schemas.microsoft.com/office/powerpoint/2010/main" xmlns="" val="3264690810"/>
+        <p14:creationId xmlns:p14="http://schemas.microsoft.com/office/powerpoint/2010/main" val="3264690810"/>
       </p:ext>
     </p:extLst>
   </p:cSld>
@@ -6230,7 +6231,7 @@
     </p:spTree>
     <p:extLst>
       <p:ext uri="{BB962C8B-B14F-4D97-AF65-F5344CB8AC3E}">
-        <p14:creationId xmlns:p14="http://schemas.microsoft.com/office/powerpoint/2010/main" xmlns="" val="2879742963"/>
+        <p14:creationId xmlns:p14="http://schemas.microsoft.com/office/powerpoint/2010/main" val="2879742963"/>
       </p:ext>
     </p:extLst>
   </p:cSld>
@@ -6676,7 +6677,7 @@
     </p:spTree>
     <p:extLst>
       <p:ext uri="{BB962C8B-B14F-4D97-AF65-F5344CB8AC3E}">
-        <p14:creationId xmlns:p14="http://schemas.microsoft.com/office/powerpoint/2010/main" xmlns="" val="1942606950"/>
+        <p14:creationId xmlns:p14="http://schemas.microsoft.com/office/powerpoint/2010/main" val="1942606950"/>
       </p:ext>
     </p:extLst>
   </p:cSld>
@@ -7072,7 +7073,7 @@
     </p:spTree>
     <p:extLst>
       <p:ext uri="{BB962C8B-B14F-4D97-AF65-F5344CB8AC3E}">
-        <p14:creationId xmlns:p14="http://schemas.microsoft.com/office/powerpoint/2010/main" xmlns="" val="3597873488"/>
+        <p14:creationId xmlns:p14="http://schemas.microsoft.com/office/powerpoint/2010/main" val="3597873488"/>
       </p:ext>
     </p:extLst>
   </p:cSld>
@@ -7125,7 +7126,7 @@
     </p:spTree>
     <p:extLst>
       <p:ext uri="{BB962C8B-B14F-4D97-AF65-F5344CB8AC3E}">
-        <p14:creationId xmlns:p14="http://schemas.microsoft.com/office/powerpoint/2010/main" xmlns="" val="518730607"/>
+        <p14:creationId xmlns:p14="http://schemas.microsoft.com/office/powerpoint/2010/main" val="518730607"/>
       </p:ext>
     </p:extLst>
   </p:cSld>
@@ -7478,7 +7479,7 @@
     </p:spTree>
     <p:extLst>
       <p:ext uri="{BB962C8B-B14F-4D97-AF65-F5344CB8AC3E}">
-        <p14:creationId xmlns:p14="http://schemas.microsoft.com/office/powerpoint/2010/main" xmlns="" val="111529340"/>
+        <p14:creationId xmlns:p14="http://schemas.microsoft.com/office/powerpoint/2010/main" val="111529340"/>
       </p:ext>
     </p:extLst>
   </p:cSld>
@@ -7790,7 +7791,223 @@
     </p:spTree>
     <p:extLst>
       <p:ext uri="{BB962C8B-B14F-4D97-AF65-F5344CB8AC3E}">
-        <p14:creationId xmlns:p14="http://schemas.microsoft.com/office/powerpoint/2010/main" xmlns="" val="2868305793"/>
+        <p14:creationId xmlns:p14="http://schemas.microsoft.com/office/powerpoint/2010/main" val="2868305793"/>
+      </p:ext>
+    </p:extLst>
+  </p:cSld>
+  <p:clrMapOvr>
+    <a:masterClrMapping/>
+  </p:clrMapOvr>
+</p:sld>
+</file>
+
+<file path=ppt/slides/slide9.xml><?xml version="1.0" encoding="utf-8"?>
+<p:sld xmlns:a="http://schemas.openxmlformats.org/drawingml/2006/main" xmlns:r="http://schemas.openxmlformats.org/officeDocument/2006/relationships" xmlns:p="http://schemas.openxmlformats.org/presentationml/2006/main">
+  <p:cSld>
+    <p:spTree>
+      <p:nvGrpSpPr>
+        <p:cNvPr id="1" name=""/>
+        <p:cNvGrpSpPr/>
+        <p:nvPr/>
+      </p:nvGrpSpPr>
+      <p:grpSpPr>
+        <a:xfrm>
+          <a:off x="0" y="0"/>
+          <a:ext cx="0" cy="0"/>
+          <a:chOff x="0" y="0"/>
+          <a:chExt cx="0" cy="0"/>
+        </a:xfrm>
+      </p:grpSpPr>
+      <p:sp>
+        <p:nvSpPr>
+          <p:cNvPr id="2" name="텍스트 개체 틀 1"/>
+          <p:cNvSpPr>
+            <a:spLocks noGrp="1"/>
+          </p:cNvSpPr>
+          <p:nvPr>
+            <p:ph type="body" sz="half" idx="2"/>
+          </p:nvPr>
+        </p:nvSpPr>
+        <p:spPr/>
+        <p:txBody>
+          <a:bodyPr/>
+          <a:lstStyle/>
+          <a:p>
+            <a:endParaRPr lang="ko-KR" altLang="en-US" dirty="0"/>
+          </a:p>
+        </p:txBody>
+      </p:sp>
+      <p:sp>
+        <p:nvSpPr>
+          <p:cNvPr id="3" name="제목 2"/>
+          <p:cNvSpPr>
+            <a:spLocks noGrp="1"/>
+          </p:cNvSpPr>
+          <p:nvPr>
+            <p:ph type="title"/>
+          </p:nvPr>
+        </p:nvSpPr>
+        <p:spPr/>
+        <p:txBody>
+          <a:bodyPr/>
+          <a:lstStyle/>
+          <a:p>
+            <a:endParaRPr lang="ko-KR" altLang="en-US"/>
+          </a:p>
+        </p:txBody>
+      </p:sp>
+      <p:sp>
+        <p:nvSpPr>
+          <p:cNvPr id="4" name="TextBox 3"/>
+          <p:cNvSpPr txBox="1"/>
+          <p:nvPr/>
+        </p:nvSpPr>
+        <p:spPr>
+          <a:xfrm>
+            <a:off x="1416676" y="1687132"/>
+            <a:ext cx="6680034" cy="1200329"/>
+          </a:xfrm>
+          <a:prstGeom prst="rect">
+            <a:avLst/>
+          </a:prstGeom>
+          <a:noFill/>
+        </p:spPr>
+        <p:txBody>
+          <a:bodyPr wrap="none" rtlCol="0">
+            <a:spAutoFit/>
+          </a:bodyPr>
+          <a:lstStyle/>
+          <a:p>
+            <a:r>
+              <a:rPr lang="en-US" altLang="ko-KR" dirty="0" smtClean="0">
+                <a:latin typeface="Arial Unicode MS" panose="020B0604020202020204" pitchFamily="50" charset="-127"/>
+                <a:ea typeface="맑은 고딕" panose="020B0503020000020004" pitchFamily="50" charset="-127"/>
+              </a:rPr>
+              <a:t>Roll Crown -&gt; upper lower </a:t>
+            </a:r>
+            <a:r>
+              <a:rPr lang="ko-KR" altLang="en-US" dirty="0" err="1" smtClean="0">
+                <a:latin typeface="Arial Unicode MS" panose="020B0604020202020204" pitchFamily="50" charset="-127"/>
+                <a:ea typeface="맑은 고딕" panose="020B0503020000020004" pitchFamily="50" charset="-127"/>
+              </a:rPr>
+              <a:t>두개</a:t>
+            </a:r>
+            <a:r>
+              <a:rPr lang="ko-KR" altLang="en-US" dirty="0" smtClean="0">
+                <a:latin typeface="Arial Unicode MS" panose="020B0604020202020204" pitchFamily="50" charset="-127"/>
+                <a:ea typeface="맑은 고딕" panose="020B0503020000020004" pitchFamily="50" charset="-127"/>
+              </a:rPr>
+              <a:t> 만들기 </a:t>
+            </a:r>
+            <a:r>
+              <a:rPr lang="en-US" altLang="ko-KR" dirty="0" smtClean="0">
+                <a:latin typeface="Arial Unicode MS" panose="020B0604020202020204" pitchFamily="50" charset="-127"/>
+                <a:ea typeface="맑은 고딕" panose="020B0503020000020004" pitchFamily="50" charset="-127"/>
+              </a:rPr>
+              <a:t>none, apply </a:t>
+            </a:r>
+            <a:r>
+              <a:rPr lang="ko-KR" altLang="en-US" dirty="0" smtClean="0">
+                <a:latin typeface="Arial Unicode MS" panose="020B0604020202020204" pitchFamily="50" charset="-127"/>
+                <a:ea typeface="맑은 고딕" panose="020B0503020000020004" pitchFamily="50" charset="-127"/>
+              </a:rPr>
+              <a:t>타입 </a:t>
+            </a:r>
+            <a:r>
+              <a:rPr lang="ko-KR" altLang="en-US" dirty="0" smtClean="0">
+                <a:latin typeface="Arial Unicode MS" panose="020B0604020202020204" pitchFamily="50" charset="-127"/>
+                <a:ea typeface="맑은 고딕" panose="020B0503020000020004" pitchFamily="50" charset="-127"/>
+              </a:rPr>
+              <a:t>지우기</a:t>
+            </a:r>
+            <a:endParaRPr lang="en-US" altLang="ko-KR" dirty="0" smtClean="0">
+              <a:latin typeface="Arial Unicode MS" panose="020B0604020202020204" pitchFamily="50" charset="-127"/>
+              <a:ea typeface="맑은 고딕" panose="020B0503020000020004" pitchFamily="50" charset="-127"/>
+            </a:endParaRPr>
+          </a:p>
+          <a:p>
+            <a:r>
+              <a:rPr lang="en-US" altLang="ko-KR" dirty="0" smtClean="0">
+                <a:latin typeface="Arial Unicode MS" panose="020B0604020202020204" pitchFamily="50" charset="-127"/>
+                <a:ea typeface="맑은 고딕" panose="020B0503020000020004" pitchFamily="50" charset="-127"/>
+              </a:rPr>
+              <a:t>Proc </a:t>
+            </a:r>
+            <a:r>
+              <a:rPr lang="ko-KR" altLang="en-US" dirty="0" err="1" smtClean="0">
+                <a:latin typeface="Arial Unicode MS" panose="020B0604020202020204" pitchFamily="50" charset="-127"/>
+                <a:ea typeface="맑은 고딕" panose="020B0503020000020004" pitchFamily="50" charset="-127"/>
+              </a:rPr>
+              <a:t>생성할때</a:t>
+            </a:r>
+            <a:r>
+              <a:rPr lang="ko-KR" altLang="en-US" dirty="0" smtClean="0">
+                <a:latin typeface="Arial Unicode MS" panose="020B0604020202020204" pitchFamily="50" charset="-127"/>
+                <a:ea typeface="맑은 고딕" panose="020B0503020000020004" pitchFamily="50" charset="-127"/>
+              </a:rPr>
+              <a:t> </a:t>
+            </a:r>
+            <a:r>
+              <a:rPr lang="en-US" altLang="ko-KR" dirty="0" smtClean="0">
+                <a:latin typeface="Arial Unicode MS" panose="020B0604020202020204" pitchFamily="50" charset="-127"/>
+                <a:ea typeface="맑은 고딕" panose="020B0503020000020004" pitchFamily="50" charset="-127"/>
+              </a:rPr>
+              <a:t>crown </a:t>
+            </a:r>
+            <a:r>
+              <a:rPr lang="ko-KR" altLang="en-US" dirty="0" smtClean="0">
+                <a:latin typeface="Arial Unicode MS" panose="020B0604020202020204" pitchFamily="50" charset="-127"/>
+                <a:ea typeface="맑은 고딕" panose="020B0503020000020004" pitchFamily="50" charset="-127"/>
+              </a:rPr>
+              <a:t>무시하고 </a:t>
+            </a:r>
+            <a:r>
+              <a:rPr lang="en-US" altLang="ko-KR" dirty="0" smtClean="0">
+                <a:latin typeface="Arial Unicode MS" panose="020B0604020202020204" pitchFamily="50" charset="-127"/>
+                <a:ea typeface="맑은 고딕" panose="020B0503020000020004" pitchFamily="50" charset="-127"/>
+              </a:rPr>
+              <a:t>none </a:t>
+            </a:r>
+            <a:r>
+              <a:rPr lang="ko-KR" altLang="en-US" dirty="0" smtClean="0">
+                <a:latin typeface="Arial Unicode MS" panose="020B0604020202020204" pitchFamily="50" charset="-127"/>
+                <a:ea typeface="맑은 고딕" panose="020B0503020000020004" pitchFamily="50" charset="-127"/>
+              </a:rPr>
+              <a:t>타입 하나로 생성</a:t>
+            </a:r>
+            <a:endParaRPr lang="en-US" altLang="ko-KR" dirty="0" smtClean="0">
+              <a:latin typeface="Arial Unicode MS" panose="020B0604020202020204" pitchFamily="50" charset="-127"/>
+              <a:ea typeface="맑은 고딕" panose="020B0503020000020004" pitchFamily="50" charset="-127"/>
+            </a:endParaRPr>
+          </a:p>
+          <a:p>
+            <a:endParaRPr lang="en-US" altLang="ko-KR" dirty="0">
+              <a:latin typeface="Arial Unicode MS" panose="020B0604020202020204" pitchFamily="50" charset="-127"/>
+              <a:ea typeface="맑은 고딕" panose="020B0503020000020004" pitchFamily="50" charset="-127"/>
+            </a:endParaRPr>
+          </a:p>
+          <a:p>
+            <a:r>
+              <a:rPr lang="en-US" altLang="ko-KR" dirty="0" smtClean="0">
+                <a:latin typeface="Arial Unicode MS" panose="020B0604020202020204" pitchFamily="50" charset="-127"/>
+                <a:ea typeface="맑은 고딕" panose="020B0503020000020004" pitchFamily="50" charset="-127"/>
+              </a:rPr>
+              <a:t>Roll Length </a:t>
+            </a:r>
+            <a:r>
+              <a:rPr lang="ko-KR" altLang="en-US" dirty="0" smtClean="0">
+                <a:latin typeface="Arial Unicode MS" panose="020B0604020202020204" pitchFamily="50" charset="-127"/>
+                <a:ea typeface="맑은 고딕" panose="020B0503020000020004" pitchFamily="50" charset="-127"/>
+              </a:rPr>
+              <a:t>살리기 </a:t>
+            </a:r>
+          </a:p>
+        </p:txBody>
+      </p:sp>
+    </p:spTree>
+    <p:extLst>
+      <p:ext uri="{BB962C8B-B14F-4D97-AF65-F5344CB8AC3E}">
+        <p14:creationId xmlns:p14="http://schemas.microsoft.com/office/powerpoint/2010/main" val="267279170"/>
       </p:ext>
     </p:extLst>
   </p:cSld>
@@ -8117,7 +8334,7 @@
   <a:extraClrSchemeLst/>
   <a:extLst>
     <a:ext uri="{05A4C25C-085E-4340-85A3-A5531E510DB2}">
-      <thm15:themeFamily xmlns:thm15="http://schemas.microsoft.com/office/thememl/2012/main" xmlns="" name="테마1" id="{C3ED2316-A292-48A6-88C5-FB5D2734D3AB}" vid="{9DCB084A-53F9-403A-941F-70983B32F821}"/>
+      <thm15:themeFamily xmlns:thm15="http://schemas.microsoft.com/office/thememl/2012/main" name="테마1" id="{C3ED2316-A292-48A6-88C5-FB5D2734D3AB}" vid="{9DCB084A-53F9-403A-941F-70983B32F821}"/>
     </a:ext>
   </a:extLst>
 </a:theme>
